--- a/中越詩歌/和撒那_Hôsana.pptx
+++ b/中越詩歌/和撒那_Hôsana.pptx
@@ -118,6 +118,11 @@
       </a:defRPr>
     </a:lvl9pPr>
   </p:defaultTextStyle>
+  <p:extLst>
+    <p:ext uri="{EFAFB233-063F-42B5-8137-9DF3F51BA10A}">
+      <p15:sldGuideLst xmlns:p15="http://schemas.microsoft.com/office/powerpoint/2012/main"/>
+    </p:ext>
+  </p:extLst>
 </p:presentation>
 </file>
 
@@ -302,7 +307,7 @@
           <a:p>
             <a:fld id="{29DB800F-4F93-4334-9ABF-13E6A413687F}" type="datetimeFigureOut">
               <a:rPr lang="vi-VN" smtClean="0"/>
-              <a:t>09/04/2022</a:t>
+              <a:t>16/04/2022</a:t>
             </a:fld>
             <a:endParaRPr lang="vi-VN"/>
           </a:p>
@@ -472,7 +477,7 @@
           <a:p>
             <a:fld id="{29DB800F-4F93-4334-9ABF-13E6A413687F}" type="datetimeFigureOut">
               <a:rPr lang="vi-VN" smtClean="0"/>
-              <a:t>09/04/2022</a:t>
+              <a:t>16/04/2022</a:t>
             </a:fld>
             <a:endParaRPr lang="vi-VN"/>
           </a:p>
@@ -652,7 +657,7 @@
           <a:p>
             <a:fld id="{29DB800F-4F93-4334-9ABF-13E6A413687F}" type="datetimeFigureOut">
               <a:rPr lang="vi-VN" smtClean="0"/>
-              <a:t>09/04/2022</a:t>
+              <a:t>16/04/2022</a:t>
             </a:fld>
             <a:endParaRPr lang="vi-VN"/>
           </a:p>
@@ -822,7 +827,7 @@
           <a:p>
             <a:fld id="{29DB800F-4F93-4334-9ABF-13E6A413687F}" type="datetimeFigureOut">
               <a:rPr lang="vi-VN" smtClean="0"/>
-              <a:t>09/04/2022</a:t>
+              <a:t>16/04/2022</a:t>
             </a:fld>
             <a:endParaRPr lang="vi-VN"/>
           </a:p>
@@ -1068,7 +1073,7 @@
           <a:p>
             <a:fld id="{29DB800F-4F93-4334-9ABF-13E6A413687F}" type="datetimeFigureOut">
               <a:rPr lang="vi-VN" smtClean="0"/>
-              <a:t>09/04/2022</a:t>
+              <a:t>16/04/2022</a:t>
             </a:fld>
             <a:endParaRPr lang="vi-VN"/>
           </a:p>
@@ -1356,7 +1361,7 @@
           <a:p>
             <a:fld id="{29DB800F-4F93-4334-9ABF-13E6A413687F}" type="datetimeFigureOut">
               <a:rPr lang="vi-VN" smtClean="0"/>
-              <a:t>09/04/2022</a:t>
+              <a:t>16/04/2022</a:t>
             </a:fld>
             <a:endParaRPr lang="vi-VN"/>
           </a:p>
@@ -1778,7 +1783,7 @@
           <a:p>
             <a:fld id="{29DB800F-4F93-4334-9ABF-13E6A413687F}" type="datetimeFigureOut">
               <a:rPr lang="vi-VN" smtClean="0"/>
-              <a:t>09/04/2022</a:t>
+              <a:t>16/04/2022</a:t>
             </a:fld>
             <a:endParaRPr lang="vi-VN"/>
           </a:p>
@@ -1896,7 +1901,7 @@
           <a:p>
             <a:fld id="{29DB800F-4F93-4334-9ABF-13E6A413687F}" type="datetimeFigureOut">
               <a:rPr lang="vi-VN" smtClean="0"/>
-              <a:t>09/04/2022</a:t>
+              <a:t>16/04/2022</a:t>
             </a:fld>
             <a:endParaRPr lang="vi-VN"/>
           </a:p>
@@ -1991,7 +1996,7 @@
           <a:p>
             <a:fld id="{29DB800F-4F93-4334-9ABF-13E6A413687F}" type="datetimeFigureOut">
               <a:rPr lang="vi-VN" smtClean="0"/>
-              <a:t>09/04/2022</a:t>
+              <a:t>16/04/2022</a:t>
             </a:fld>
             <a:endParaRPr lang="vi-VN"/>
           </a:p>
@@ -2268,7 +2273,7 @@
           <a:p>
             <a:fld id="{29DB800F-4F93-4334-9ABF-13E6A413687F}" type="datetimeFigureOut">
               <a:rPr lang="vi-VN" smtClean="0"/>
-              <a:t>09/04/2022</a:t>
+              <a:t>16/04/2022</a:t>
             </a:fld>
             <a:endParaRPr lang="vi-VN"/>
           </a:p>
@@ -2525,7 +2530,7 @@
           <a:p>
             <a:fld id="{29DB800F-4F93-4334-9ABF-13E6A413687F}" type="datetimeFigureOut">
               <a:rPr lang="vi-VN" smtClean="0"/>
-              <a:t>09/04/2022</a:t>
+              <a:t>16/04/2022</a:t>
             </a:fld>
             <a:endParaRPr lang="vi-VN"/>
           </a:p>
@@ -2743,7 +2748,7 @@
           <a:p>
             <a:fld id="{29DB800F-4F93-4334-9ABF-13E6A413687F}" type="datetimeFigureOut">
               <a:rPr lang="vi-VN" smtClean="0"/>
-              <a:t>09/04/2022</a:t>
+              <a:t>16/04/2022</a:t>
             </a:fld>
             <a:endParaRPr lang="vi-VN"/>
           </a:p>
@@ -5204,7 +5209,7 @@
           <a:p>
             <a:pPr algn="ctr"/>
             <a:r>
-              <a:rPr lang="zh-CN" altLang="en-US" sz="4400" b="1" dirty="0" smtClean="0">
+              <a:rPr lang="zh-CN" altLang="en-US" sz="4400" b="1" dirty="0">
                 <a:solidFill>
                   <a:srgbClr val="000066"/>
                 </a:solidFill>
@@ -5212,7 +5217,29 @@
                 <a:ea typeface="Microsoft JhengHei" panose="020B0604030504040204" pitchFamily="34" charset="-120"/>
                 <a:cs typeface="Arial" panose="020B0604020202020204" pitchFamily="34" charset="0"/>
               </a:rPr>
-              <a:t>（副）</a:t>
+              <a:t>（</a:t>
+            </a:r>
+            <a:r>
+              <a:rPr lang="en-US" altLang="zh-CN" sz="4400" b="1" dirty="0">
+                <a:solidFill>
+                  <a:srgbClr val="000066"/>
+                </a:solidFill>
+                <a:latin typeface="Arial" panose="020B0604020202020204" pitchFamily="34" charset="0"/>
+                <a:ea typeface="Microsoft JhengHei" panose="020B0604030504040204" pitchFamily="34" charset="-120"/>
+                <a:cs typeface="Arial" panose="020B0604020202020204" pitchFamily="34" charset="0"/>
+              </a:rPr>
+              <a:t>2</a:t>
+            </a:r>
+            <a:r>
+              <a:rPr lang="zh-CN" altLang="en-US" sz="4400" b="1" dirty="0">
+                <a:solidFill>
+                  <a:srgbClr val="000066"/>
+                </a:solidFill>
+                <a:latin typeface="Arial" panose="020B0604020202020204" pitchFamily="34" charset="0"/>
+                <a:ea typeface="Microsoft JhengHei" panose="020B0604030504040204" pitchFamily="34" charset="-120"/>
+                <a:cs typeface="Arial" panose="020B0604020202020204" pitchFamily="34" charset="0"/>
+              </a:rPr>
+              <a:t>）</a:t>
             </a:r>
             <a:endParaRPr lang="vi-VN" sz="4400" b="1" dirty="0">
               <a:solidFill>
@@ -5681,7 +5708,7 @@
           <a:p>
             <a:pPr algn="ctr"/>
             <a:r>
-              <a:rPr lang="zh-CN" altLang="en-US" sz="4400" b="1" dirty="0" smtClean="0">
+              <a:rPr lang="zh-CN" altLang="en-US" sz="4400" b="1" dirty="0">
                 <a:solidFill>
                   <a:srgbClr val="000066"/>
                 </a:solidFill>
@@ -5689,7 +5716,29 @@
                 <a:ea typeface="Microsoft JhengHei" panose="020B0604030504040204" pitchFamily="34" charset="-120"/>
                 <a:cs typeface="Arial" panose="020B0604020202020204" pitchFamily="34" charset="0"/>
               </a:rPr>
-              <a:t>（副）</a:t>
+              <a:t>（</a:t>
+            </a:r>
+            <a:r>
+              <a:rPr lang="en-US" altLang="zh-CN" sz="4400" b="1" dirty="0">
+                <a:solidFill>
+                  <a:srgbClr val="000066"/>
+                </a:solidFill>
+                <a:latin typeface="Arial" panose="020B0604020202020204" pitchFamily="34" charset="0"/>
+                <a:ea typeface="Microsoft JhengHei" panose="020B0604030504040204" pitchFamily="34" charset="-120"/>
+                <a:cs typeface="Arial" panose="020B0604020202020204" pitchFamily="34" charset="0"/>
+              </a:rPr>
+              <a:t>2</a:t>
+            </a:r>
+            <a:r>
+              <a:rPr lang="zh-CN" altLang="en-US" sz="4400" b="1" dirty="0">
+                <a:solidFill>
+                  <a:srgbClr val="000066"/>
+                </a:solidFill>
+                <a:latin typeface="Arial" panose="020B0604020202020204" pitchFamily="34" charset="0"/>
+                <a:ea typeface="Microsoft JhengHei" panose="020B0604030504040204" pitchFamily="34" charset="-120"/>
+                <a:cs typeface="Arial" panose="020B0604020202020204" pitchFamily="34" charset="0"/>
+              </a:rPr>
+              <a:t>）</a:t>
             </a:r>
             <a:endParaRPr lang="vi-VN" sz="4400" b="1" dirty="0">
               <a:solidFill>
@@ -5757,14 +5806,24 @@
               <a:buNone/>
             </a:pPr>
             <a:r>
-              <a:rPr lang="zh-TW" altLang="en-US" sz="6400" b="1" dirty="0">
+              <a:rPr lang="zh-CN" altLang="en-US" sz="6400" b="1" dirty="0" smtClean="0">
                 <a:solidFill>
                   <a:srgbClr val="000066"/>
                 </a:solidFill>
                 <a:latin typeface="微軟正黑體" pitchFamily="34" charset="-120"/>
                 <a:ea typeface="微軟正黑體" pitchFamily="34" charset="-120"/>
               </a:rPr>
-              <a:t>和撒那歸於至高神</a:t>
+              <a:t>願</a:t>
+            </a:r>
+            <a:r>
+              <a:rPr lang="zh-CN" altLang="en-US" sz="6400" b="1" dirty="0">
+                <a:solidFill>
+                  <a:srgbClr val="000066"/>
+                </a:solidFill>
+                <a:latin typeface="微軟正黑體" pitchFamily="34" charset="-120"/>
+                <a:ea typeface="微軟正黑體" pitchFamily="34" charset="-120"/>
+              </a:rPr>
+              <a:t>榮耀歸萬王之王</a:t>
             </a:r>
             <a:endParaRPr lang="en-US" altLang="zh-CN" sz="6400" b="1" dirty="0">
               <a:solidFill>
@@ -6094,7 +6153,7 @@
           <a:p>
             <a:pPr algn="ctr"/>
             <a:r>
-              <a:rPr lang="zh-CN" altLang="en-US" sz="4400" b="1" dirty="0" smtClean="0">
+              <a:rPr lang="zh-CN" altLang="en-US" sz="4400" b="1" dirty="0">
                 <a:solidFill>
                   <a:srgbClr val="000066"/>
                 </a:solidFill>
@@ -6102,7 +6161,29 @@
                 <a:ea typeface="Microsoft JhengHei" panose="020B0604030504040204" pitchFamily="34" charset="-120"/>
                 <a:cs typeface="Arial" panose="020B0604020202020204" pitchFamily="34" charset="0"/>
               </a:rPr>
-              <a:t>（副）</a:t>
+              <a:t>（</a:t>
+            </a:r>
+            <a:r>
+              <a:rPr lang="en-US" altLang="zh-CN" sz="4400" b="1" dirty="0">
+                <a:solidFill>
+                  <a:srgbClr val="000066"/>
+                </a:solidFill>
+                <a:latin typeface="Arial" panose="020B0604020202020204" pitchFamily="34" charset="0"/>
+                <a:ea typeface="Microsoft JhengHei" panose="020B0604030504040204" pitchFamily="34" charset="-120"/>
+                <a:cs typeface="Arial" panose="020B0604020202020204" pitchFamily="34" charset="0"/>
+              </a:rPr>
+              <a:t>2</a:t>
+            </a:r>
+            <a:r>
+              <a:rPr lang="zh-CN" altLang="en-US" sz="4400" b="1" dirty="0">
+                <a:solidFill>
+                  <a:srgbClr val="000066"/>
+                </a:solidFill>
+                <a:latin typeface="Arial" panose="020B0604020202020204" pitchFamily="34" charset="0"/>
+                <a:ea typeface="Microsoft JhengHei" panose="020B0604030504040204" pitchFamily="34" charset="-120"/>
+                <a:cs typeface="Arial" panose="020B0604020202020204" pitchFamily="34" charset="0"/>
+              </a:rPr>
+              <a:t>）</a:t>
             </a:r>
             <a:endParaRPr lang="vi-VN" sz="4400" b="1" dirty="0">
               <a:solidFill>
@@ -8314,7 +8395,7 @@
           <a:p>
             <a:pPr algn="ctr"/>
             <a:r>
-              <a:rPr lang="zh-CN" altLang="en-US" sz="4400" b="1" dirty="0" smtClean="0">
+              <a:rPr lang="zh-CN" altLang="en-US" sz="4400" b="1" dirty="0">
                 <a:solidFill>
                   <a:srgbClr val="000066"/>
                 </a:solidFill>
@@ -8322,7 +8403,29 @@
                 <a:ea typeface="Microsoft JhengHei" panose="020B0604030504040204" pitchFamily="34" charset="-120"/>
                 <a:cs typeface="Arial" panose="020B0604020202020204" pitchFamily="34" charset="0"/>
               </a:rPr>
-              <a:t>（副）</a:t>
+              <a:t>（</a:t>
+            </a:r>
+            <a:r>
+              <a:rPr lang="en-US" altLang="zh-CN" sz="4400" b="1" dirty="0">
+                <a:solidFill>
+                  <a:srgbClr val="000066"/>
+                </a:solidFill>
+                <a:latin typeface="Arial" panose="020B0604020202020204" pitchFamily="34" charset="0"/>
+                <a:ea typeface="Microsoft JhengHei" panose="020B0604030504040204" pitchFamily="34" charset="-120"/>
+                <a:cs typeface="Arial" panose="020B0604020202020204" pitchFamily="34" charset="0"/>
+              </a:rPr>
+              <a:t>1</a:t>
+            </a:r>
+            <a:r>
+              <a:rPr lang="zh-CN" altLang="en-US" sz="4400" b="1" dirty="0">
+                <a:solidFill>
+                  <a:srgbClr val="000066"/>
+                </a:solidFill>
+                <a:latin typeface="Arial" panose="020B0604020202020204" pitchFamily="34" charset="0"/>
+                <a:ea typeface="Microsoft JhengHei" panose="020B0604030504040204" pitchFamily="34" charset="-120"/>
+                <a:cs typeface="Arial" panose="020B0604020202020204" pitchFamily="34" charset="0"/>
+              </a:rPr>
+              <a:t>）</a:t>
             </a:r>
             <a:endParaRPr lang="vi-VN" sz="4400" b="1" dirty="0">
               <a:solidFill>
@@ -8791,7 +8894,7 @@
           <a:p>
             <a:pPr algn="ctr"/>
             <a:r>
-              <a:rPr lang="zh-CN" altLang="en-US" sz="4400" b="1" dirty="0" smtClean="0">
+              <a:rPr lang="zh-CN" altLang="en-US" sz="4400" b="1" dirty="0">
                 <a:solidFill>
                   <a:srgbClr val="000066"/>
                 </a:solidFill>
@@ -8799,7 +8902,29 @@
                 <a:ea typeface="Microsoft JhengHei" panose="020B0604030504040204" pitchFamily="34" charset="-120"/>
                 <a:cs typeface="Arial" panose="020B0604020202020204" pitchFamily="34" charset="0"/>
               </a:rPr>
-              <a:t>（副）</a:t>
+              <a:t>（</a:t>
+            </a:r>
+            <a:r>
+              <a:rPr lang="en-US" altLang="zh-CN" sz="4400" b="1" dirty="0">
+                <a:solidFill>
+                  <a:srgbClr val="000066"/>
+                </a:solidFill>
+                <a:latin typeface="Arial" panose="020B0604020202020204" pitchFamily="34" charset="0"/>
+                <a:ea typeface="Microsoft JhengHei" panose="020B0604030504040204" pitchFamily="34" charset="-120"/>
+                <a:cs typeface="Arial" panose="020B0604020202020204" pitchFamily="34" charset="0"/>
+              </a:rPr>
+              <a:t>1</a:t>
+            </a:r>
+            <a:r>
+              <a:rPr lang="zh-CN" altLang="en-US" sz="4400" b="1" dirty="0">
+                <a:solidFill>
+                  <a:srgbClr val="000066"/>
+                </a:solidFill>
+                <a:latin typeface="Arial" panose="020B0604020202020204" pitchFamily="34" charset="0"/>
+                <a:ea typeface="Microsoft JhengHei" panose="020B0604030504040204" pitchFamily="34" charset="-120"/>
+                <a:cs typeface="Arial" panose="020B0604020202020204" pitchFamily="34" charset="0"/>
+              </a:rPr>
+              <a:t>）</a:t>
             </a:r>
             <a:endParaRPr lang="vi-VN" sz="4400" b="1" dirty="0">
               <a:solidFill>
@@ -9204,7 +9329,7 @@
           <a:p>
             <a:pPr algn="ctr"/>
             <a:r>
-              <a:rPr lang="zh-CN" altLang="en-US" sz="4400" b="1" dirty="0" smtClean="0">
+              <a:rPr lang="zh-CN" altLang="en-US" sz="4400" b="1" dirty="0">
                 <a:solidFill>
                   <a:srgbClr val="000066"/>
                 </a:solidFill>
@@ -9212,7 +9337,29 @@
                 <a:ea typeface="Microsoft JhengHei" panose="020B0604030504040204" pitchFamily="34" charset="-120"/>
                 <a:cs typeface="Arial" panose="020B0604020202020204" pitchFamily="34" charset="0"/>
               </a:rPr>
-              <a:t>（副）</a:t>
+              <a:t>（</a:t>
+            </a:r>
+            <a:r>
+              <a:rPr lang="en-US" altLang="zh-CN" sz="4400" b="1" dirty="0">
+                <a:solidFill>
+                  <a:srgbClr val="000066"/>
+                </a:solidFill>
+                <a:latin typeface="Arial" panose="020B0604020202020204" pitchFamily="34" charset="0"/>
+                <a:ea typeface="Microsoft JhengHei" panose="020B0604030504040204" pitchFamily="34" charset="-120"/>
+                <a:cs typeface="Arial" panose="020B0604020202020204" pitchFamily="34" charset="0"/>
+              </a:rPr>
+              <a:t>1</a:t>
+            </a:r>
+            <a:r>
+              <a:rPr lang="zh-CN" altLang="en-US" sz="4400" b="1" dirty="0">
+                <a:solidFill>
+                  <a:srgbClr val="000066"/>
+                </a:solidFill>
+                <a:latin typeface="Arial" panose="020B0604020202020204" pitchFamily="34" charset="0"/>
+                <a:ea typeface="Microsoft JhengHei" panose="020B0604030504040204" pitchFamily="34" charset="-120"/>
+                <a:cs typeface="Arial" panose="020B0604020202020204" pitchFamily="34" charset="0"/>
+              </a:rPr>
+              <a:t>）</a:t>
             </a:r>
             <a:endParaRPr lang="vi-VN" sz="4400" b="1" dirty="0">
               <a:solidFill>
